--- a/01_Unit/PowerPoints/05_CompoundAssignmentCastingRangeofVariables.pptx
+++ b/01_Unit/PowerPoints/05_CompoundAssignmentCastingRangeofVariables.pptx
@@ -849,6 +849,114 @@
 </pc:chgInfo>
 </file>
 
+<file path=ppt/ink/ink1.xml><?xml version="1.0" encoding="utf-8"?>
+<inkml:ink xmlns:inkml="http://www.w3.org/2003/InkML">
+  <inkml:definitions>
+    <inkml:context xml:id="ctx0">
+      <inkml:inkSource xml:id="inkSrc0">
+        <inkml:traceFormat>
+          <inkml:channel name="X" type="integer" min="-2.14748E9" max="2.14748E9" units="cm"/>
+          <inkml:channel name="Y" type="integer" min="-2.14748E9" max="2.14748E9" units="cm"/>
+        </inkml:traceFormat>
+        <inkml:channelProperties>
+          <inkml:channelProperty channel="X" name="resolution" value="1000" units="1/cm"/>
+          <inkml:channelProperty channel="Y" name="resolution" value="1000" units="1/cm"/>
+        </inkml:channelProperties>
+      </inkml:inkSource>
+      <inkml:timestamp xml:id="ts0" timeString="2020-08-04T14:35:24.327"/>
+    </inkml:context>
+    <inkml:brush xml:id="br0">
+      <inkml:brushProperty name="width" value="0.05" units="cm"/>
+      <inkml:brushProperty name="height" value="0.05" units="cm"/>
+      <inkml:brushProperty name="color" value="#E71224"/>
+      <inkml:brushProperty name="ignorePressure" value="1"/>
+    </inkml:brush>
+  </inkml:definitions>
+  <inkml:trace contextRef="#ctx0" brushRef="#br0">1 0,'0'0</inkml:trace>
+</inkml:ink>
+</file>
+
+<file path=ppt/ink/ink2.xml><?xml version="1.0" encoding="utf-8"?>
+<inkml:ink xmlns:inkml="http://www.w3.org/2003/InkML">
+  <inkml:definitions>
+    <inkml:context xml:id="ctx0">
+      <inkml:inkSource xml:id="inkSrc0">
+        <inkml:traceFormat>
+          <inkml:channel name="X" type="integer" min="-2.14748E9" max="2.14748E9" units="cm"/>
+          <inkml:channel name="Y" type="integer" min="-2.14748E9" max="2.14748E9" units="cm"/>
+        </inkml:traceFormat>
+        <inkml:channelProperties>
+          <inkml:channelProperty channel="X" name="resolution" value="1000" units="1/cm"/>
+          <inkml:channelProperty channel="Y" name="resolution" value="1000" units="1/cm"/>
+        </inkml:channelProperties>
+      </inkml:inkSource>
+      <inkml:timestamp xml:id="ts0" timeString="2020-08-04T14:34:55.160"/>
+    </inkml:context>
+    <inkml:brush xml:id="br0">
+      <inkml:brushProperty name="width" value="0.05" units="cm"/>
+      <inkml:brushProperty name="height" value="0.05" units="cm"/>
+      <inkml:brushProperty name="color" value="#E71224"/>
+      <inkml:brushProperty name="ignorePressure" value="1"/>
+    </inkml:brush>
+  </inkml:definitions>
+  <inkml:trace contextRef="#ctx0" brushRef="#br0">0 1,'1'3,"-1"1,1-1,-1 0,1 1,0-1,1 0,-1 0,0 0,1 0,0 0,-1 0,1 0,0 0,1-1,-1 1,0-1,1 1,-1-1,4 2,7 5,1 0,26 12,-39-21,73 34,128 38,87 6,-114-33,850 243,-974-274,752 224,-131-97,-551-120,278 64,-206-41,461 118,47 10,-450-124,96 22,656 111,-744-126,-70-13,486 71,-557-95,118 35,-163-37,-61-12</inkml:trace>
+</inkml:ink>
+</file>
+
+<file path=ppt/ink/ink3.xml><?xml version="1.0" encoding="utf-8"?>
+<inkml:ink xmlns:inkml="http://www.w3.org/2003/InkML">
+  <inkml:definitions>
+    <inkml:context xml:id="ctx0">
+      <inkml:inkSource xml:id="inkSrc0">
+        <inkml:traceFormat>
+          <inkml:channel name="X" type="integer" min="-2.14748E9" max="2.14748E9" units="cm"/>
+          <inkml:channel name="Y" type="integer" min="-2.14748E9" max="2.14748E9" units="cm"/>
+        </inkml:traceFormat>
+        <inkml:channelProperties>
+          <inkml:channelProperty channel="X" name="resolution" value="1000" units="1/cm"/>
+          <inkml:channelProperty channel="Y" name="resolution" value="1000" units="1/cm"/>
+        </inkml:channelProperties>
+      </inkml:inkSource>
+      <inkml:timestamp xml:id="ts0" timeString="2020-08-04T14:34:57.782"/>
+    </inkml:context>
+    <inkml:brush xml:id="br0">
+      <inkml:brushProperty name="width" value="0.05" units="cm"/>
+      <inkml:brushProperty name="height" value="0.05" units="cm"/>
+      <inkml:brushProperty name="color" value="#E71224"/>
+      <inkml:brushProperty name="ignorePressure" value="1"/>
+    </inkml:brush>
+  </inkml:definitions>
+  <inkml:trace contextRef="#ctx0" brushRef="#br0">1 2156,'25'-2,"-1"-2,1 0,-1-2,1-1,-2 0,34-17,20-5,254-66,274-35,-485 109,176-27,368-81,346-98,165 74,-790 83,51-7,-179 39,61-7,-190 24,-1-5,170-59,-161 45,465-138,-375 115,-92 25,186-64,149-95,-207 82,-125 53,-62 26,107-34,-159 63</inkml:trace>
+</inkml:ink>
+</file>
+
+<file path=ppt/ink/ink4.xml><?xml version="1.0" encoding="utf-8"?>
+<inkml:ink xmlns:inkml="http://www.w3.org/2003/InkML">
+  <inkml:definitions>
+    <inkml:context xml:id="ctx0">
+      <inkml:inkSource xml:id="inkSrc0">
+        <inkml:traceFormat>
+          <inkml:channel name="X" type="integer" min="-2.14748E9" max="2.14748E9" units="cm"/>
+          <inkml:channel name="Y" type="integer" min="-2.14748E9" max="2.14748E9" units="cm"/>
+        </inkml:traceFormat>
+        <inkml:channelProperties>
+          <inkml:channelProperty channel="X" name="resolution" value="1000" units="1/cm"/>
+          <inkml:channelProperty channel="Y" name="resolution" value="1000" units="1/cm"/>
+        </inkml:channelProperties>
+      </inkml:inkSource>
+      <inkml:timestamp xml:id="ts0" timeString="2020-08-04T15:15:02.726"/>
+    </inkml:context>
+    <inkml:brush xml:id="br0">
+      <inkml:brushProperty name="width" value="0.05" units="cm"/>
+      <inkml:brushProperty name="height" value="0.05" units="cm"/>
+      <inkml:brushProperty name="color" value="#E71224"/>
+      <inkml:brushProperty name="ignorePressure" value="1"/>
+    </inkml:brush>
+  </inkml:definitions>
+  <inkml:trace contextRef="#ctx0" brushRef="#br0">1 13,'0'-5,"0"-3</inkml:trace>
+</inkml:ink>
+</file>
+
 <file path=ppt/notesMasters/notesMaster1.xml><?xml version="1.0" encoding="utf-8"?>
 <p:notesMaster xmlns:a="http://schemas.openxmlformats.org/drawingml/2006/main" xmlns:r="http://schemas.openxmlformats.org/officeDocument/2006/relationships" xmlns:p="http://schemas.openxmlformats.org/presentationml/2006/main">
   <p:cSld>
@@ -931,7 +1039,7 @@
           <a:p>
             <a:fld id="{BDF48FA0-579C-4EDB-9902-60E2343B7F06}" type="datetimeFigureOut">
               <a:rPr lang="en-US" smtClean="0"/>
-              <a:t>7/28/2020</a:t>
+              <a:t>8/3/2020</a:t>
             </a:fld>
             <a:endParaRPr lang="en-US"/>
           </a:p>
@@ -1749,42 +1857,7 @@
           <a:bodyPr/>
           <a:lstStyle/>
           <a:p>
-            <a:r>
-              <a:rPr lang="en-US" dirty="0"/>
-              <a:t>Alright, onto our objectives for today. </a:t>
-            </a:r>
-          </a:p>
-          <a:p>
-            <a:r>
-              <a:rPr lang="en-US" dirty="0"/>
-              <a:t>First we will learn two print commands: print and </a:t>
-            </a:r>
-            <a:r>
-              <a:rPr lang="en-US" dirty="0" err="1"/>
-              <a:t>println</a:t>
-            </a:r>
-            <a:r>
-              <a:rPr lang="en-US" dirty="0"/>
-              <a:t>. </a:t>
-            </a:r>
-          </a:p>
-          <a:p>
-            <a:r>
-              <a:rPr lang="en-US" dirty="0"/>
-              <a:t>Next we will learn what an escape sequence is and how to use them with print commands.</a:t>
-            </a:r>
-          </a:p>
-          <a:p>
-            <a:r>
-              <a:rPr lang="en-US" dirty="0"/>
-              <a:t>Then we will go over two types of errors, syntax vs runtime errors. We will also learn the bane of every programmer’s existence – debugging.</a:t>
-            </a:r>
-          </a:p>
-          <a:p>
-            <a:r>
-              <a:rPr lang="en-US" dirty="0"/>
-              <a:t>Finally, we will continue to improve our best programming practices by learning what comments are and how to add comments to our code.</a:t>
-            </a:r>
+            <a:endParaRPr lang="en-US" dirty="0"/>
           </a:p>
         </p:txBody>
       </p:sp>
@@ -1868,42 +1941,7 @@
           <a:bodyPr/>
           <a:lstStyle/>
           <a:p>
-            <a:r>
-              <a:rPr lang="en-US" dirty="0"/>
-              <a:t>Alright, onto our objectives for today. </a:t>
-            </a:r>
-          </a:p>
-          <a:p>
-            <a:r>
-              <a:rPr lang="en-US" dirty="0"/>
-              <a:t>First we will learn two print commands: print and </a:t>
-            </a:r>
-            <a:r>
-              <a:rPr lang="en-US" dirty="0" err="1"/>
-              <a:t>println</a:t>
-            </a:r>
-            <a:r>
-              <a:rPr lang="en-US" dirty="0"/>
-              <a:t>. </a:t>
-            </a:r>
-          </a:p>
-          <a:p>
-            <a:r>
-              <a:rPr lang="en-US" dirty="0"/>
-              <a:t>Next we will learn what an escape sequence is and how to use them with print commands.</a:t>
-            </a:r>
-          </a:p>
-          <a:p>
-            <a:r>
-              <a:rPr lang="en-US" dirty="0"/>
-              <a:t>Then we will go over two types of errors, syntax vs runtime errors. We will also learn the bane of every programmer’s existence – debugging.</a:t>
-            </a:r>
-          </a:p>
-          <a:p>
-            <a:r>
-              <a:rPr lang="en-US" dirty="0"/>
-              <a:t>Finally, we will continue to improve our best programming practices by learning what comments are and how to add comments to our code.</a:t>
-            </a:r>
+            <a:endParaRPr lang="en-US" dirty="0"/>
           </a:p>
         </p:txBody>
       </p:sp>
@@ -1987,42 +2025,7 @@
           <a:bodyPr/>
           <a:lstStyle/>
           <a:p>
-            <a:r>
-              <a:rPr lang="en-US" dirty="0"/>
-              <a:t>Alright, onto our objectives for today. </a:t>
-            </a:r>
-          </a:p>
-          <a:p>
-            <a:r>
-              <a:rPr lang="en-US" dirty="0"/>
-              <a:t>First we will learn two print commands: print and </a:t>
-            </a:r>
-            <a:r>
-              <a:rPr lang="en-US" dirty="0" err="1"/>
-              <a:t>println</a:t>
-            </a:r>
-            <a:r>
-              <a:rPr lang="en-US" dirty="0"/>
-              <a:t>. </a:t>
-            </a:r>
-          </a:p>
-          <a:p>
-            <a:r>
-              <a:rPr lang="en-US" dirty="0"/>
-              <a:t>Next we will learn what an escape sequence is and how to use them with print commands.</a:t>
-            </a:r>
-          </a:p>
-          <a:p>
-            <a:r>
-              <a:rPr lang="en-US" dirty="0"/>
-              <a:t>Then we will go over two types of errors, syntax vs runtime errors. We will also learn the bane of every programmer’s existence – debugging.</a:t>
-            </a:r>
-          </a:p>
-          <a:p>
-            <a:r>
-              <a:rPr lang="en-US" dirty="0"/>
-              <a:t>Finally, we will continue to improve our best programming practices by learning what comments are and how to add comments to our code.</a:t>
-            </a:r>
+            <a:endParaRPr lang="en-US" dirty="0"/>
           </a:p>
         </p:txBody>
       </p:sp>
@@ -2106,42 +2109,7 @@
           <a:bodyPr/>
           <a:lstStyle/>
           <a:p>
-            <a:r>
-              <a:rPr lang="en-US" dirty="0"/>
-              <a:t>Alright, onto our objectives for today. </a:t>
-            </a:r>
-          </a:p>
-          <a:p>
-            <a:r>
-              <a:rPr lang="en-US" dirty="0"/>
-              <a:t>First we will learn two print commands: print and </a:t>
-            </a:r>
-            <a:r>
-              <a:rPr lang="en-US" dirty="0" err="1"/>
-              <a:t>println</a:t>
-            </a:r>
-            <a:r>
-              <a:rPr lang="en-US" dirty="0"/>
-              <a:t>. </a:t>
-            </a:r>
-          </a:p>
-          <a:p>
-            <a:r>
-              <a:rPr lang="en-US" dirty="0"/>
-              <a:t>Next we will learn what an escape sequence is and how to use them with print commands.</a:t>
-            </a:r>
-          </a:p>
-          <a:p>
-            <a:r>
-              <a:rPr lang="en-US" dirty="0"/>
-              <a:t>Then we will go over two types of errors, syntax vs runtime errors. We will also learn the bane of every programmer’s existence – debugging.</a:t>
-            </a:r>
-          </a:p>
-          <a:p>
-            <a:r>
-              <a:rPr lang="en-US" dirty="0"/>
-              <a:t>Finally, we will continue to improve our best programming practices by learning what comments are and how to add comments to our code.</a:t>
-            </a:r>
+            <a:endParaRPr lang="en-US" dirty="0"/>
           </a:p>
         </p:txBody>
       </p:sp>
@@ -2680,42 +2648,7 @@
           <a:bodyPr/>
           <a:lstStyle/>
           <a:p>
-            <a:r>
-              <a:rPr lang="en-US" dirty="0"/>
-              <a:t>Alright, onto our objectives for today. </a:t>
-            </a:r>
-          </a:p>
-          <a:p>
-            <a:r>
-              <a:rPr lang="en-US" dirty="0"/>
-              <a:t>First we will learn two print commands: print and </a:t>
-            </a:r>
-            <a:r>
-              <a:rPr lang="en-US" dirty="0" err="1"/>
-              <a:t>println</a:t>
-            </a:r>
-            <a:r>
-              <a:rPr lang="en-US" dirty="0"/>
-              <a:t>. </a:t>
-            </a:r>
-          </a:p>
-          <a:p>
-            <a:r>
-              <a:rPr lang="en-US" dirty="0"/>
-              <a:t>Next we will learn what an escape sequence is and how to use them with print commands.</a:t>
-            </a:r>
-          </a:p>
-          <a:p>
-            <a:r>
-              <a:rPr lang="en-US" dirty="0"/>
-              <a:t>Then we will go over two types of errors, syntax vs runtime errors. We will also learn the bane of every programmer’s existence – debugging.</a:t>
-            </a:r>
-          </a:p>
-          <a:p>
-            <a:r>
-              <a:rPr lang="en-US" dirty="0"/>
-              <a:t>Finally, we will continue to improve our best programming practices by learning what comments are and how to add comments to our code.</a:t>
-            </a:r>
+            <a:endParaRPr lang="en-US" dirty="0"/>
           </a:p>
         </p:txBody>
       </p:sp>
@@ -2799,42 +2732,7 @@
           <a:bodyPr/>
           <a:lstStyle/>
           <a:p>
-            <a:r>
-              <a:rPr lang="en-US" dirty="0"/>
-              <a:t>Alright, onto our objectives for today. </a:t>
-            </a:r>
-          </a:p>
-          <a:p>
-            <a:r>
-              <a:rPr lang="en-US" dirty="0"/>
-              <a:t>First we will learn two print commands: print and </a:t>
-            </a:r>
-            <a:r>
-              <a:rPr lang="en-US" dirty="0" err="1"/>
-              <a:t>println</a:t>
-            </a:r>
-            <a:r>
-              <a:rPr lang="en-US" dirty="0"/>
-              <a:t>. </a:t>
-            </a:r>
-          </a:p>
-          <a:p>
-            <a:r>
-              <a:rPr lang="en-US" dirty="0"/>
-              <a:t>Next we will learn what an escape sequence is and how to use them with print commands.</a:t>
-            </a:r>
-          </a:p>
-          <a:p>
-            <a:r>
-              <a:rPr lang="en-US" dirty="0"/>
-              <a:t>Then we will go over two types of errors, syntax vs runtime errors. We will also learn the bane of every programmer’s existence – debugging.</a:t>
-            </a:r>
-          </a:p>
-          <a:p>
-            <a:r>
-              <a:rPr lang="en-US" dirty="0"/>
-              <a:t>Finally, we will continue to improve our best programming practices by learning what comments are and how to add comments to our code.</a:t>
-            </a:r>
+            <a:endParaRPr lang="en-US" dirty="0"/>
           </a:p>
         </p:txBody>
       </p:sp>
@@ -2918,42 +2816,7 @@
           <a:bodyPr/>
           <a:lstStyle/>
           <a:p>
-            <a:r>
-              <a:rPr lang="en-US" dirty="0"/>
-              <a:t>Alright, onto our objectives for today. </a:t>
-            </a:r>
-          </a:p>
-          <a:p>
-            <a:r>
-              <a:rPr lang="en-US" dirty="0"/>
-              <a:t>First we will learn two print commands: print and </a:t>
-            </a:r>
-            <a:r>
-              <a:rPr lang="en-US" dirty="0" err="1"/>
-              <a:t>println</a:t>
-            </a:r>
-            <a:r>
-              <a:rPr lang="en-US" dirty="0"/>
-              <a:t>. </a:t>
-            </a:r>
-          </a:p>
-          <a:p>
-            <a:r>
-              <a:rPr lang="en-US" dirty="0"/>
-              <a:t>Next we will learn what an escape sequence is and how to use them with print commands.</a:t>
-            </a:r>
-          </a:p>
-          <a:p>
-            <a:r>
-              <a:rPr lang="en-US" dirty="0"/>
-              <a:t>Then we will go over two types of errors, syntax vs runtime errors. We will also learn the bane of every programmer’s existence – debugging.</a:t>
-            </a:r>
-          </a:p>
-          <a:p>
-            <a:r>
-              <a:rPr lang="en-US" dirty="0"/>
-              <a:t>Finally, we will continue to improve our best programming practices by learning what comments are and how to add comments to our code.</a:t>
-            </a:r>
+            <a:endParaRPr lang="en-US" dirty="0"/>
           </a:p>
         </p:txBody>
       </p:sp>
@@ -3037,42 +2900,7 @@
           <a:bodyPr/>
           <a:lstStyle/>
           <a:p>
-            <a:r>
-              <a:rPr lang="en-US" dirty="0"/>
-              <a:t>Alright, onto our objectives for today. </a:t>
-            </a:r>
-          </a:p>
-          <a:p>
-            <a:r>
-              <a:rPr lang="en-US" dirty="0"/>
-              <a:t>First we will learn two print commands: print and </a:t>
-            </a:r>
-            <a:r>
-              <a:rPr lang="en-US" dirty="0" err="1"/>
-              <a:t>println</a:t>
-            </a:r>
-            <a:r>
-              <a:rPr lang="en-US" dirty="0"/>
-              <a:t>. </a:t>
-            </a:r>
-          </a:p>
-          <a:p>
-            <a:r>
-              <a:rPr lang="en-US" dirty="0"/>
-              <a:t>Next we will learn what an escape sequence is and how to use them with print commands.</a:t>
-            </a:r>
-          </a:p>
-          <a:p>
-            <a:r>
-              <a:rPr lang="en-US" dirty="0"/>
-              <a:t>Then we will go over two types of errors, syntax vs runtime errors. We will also learn the bane of every programmer’s existence – debugging.</a:t>
-            </a:r>
-          </a:p>
-          <a:p>
-            <a:r>
-              <a:rPr lang="en-US" dirty="0"/>
-              <a:t>Finally, we will continue to improve our best programming practices by learning what comments are and how to add comments to our code.</a:t>
-            </a:r>
+            <a:endParaRPr lang="en-US" dirty="0"/>
           </a:p>
         </p:txBody>
       </p:sp>
@@ -3156,42 +2984,7 @@
           <a:bodyPr/>
           <a:lstStyle/>
           <a:p>
-            <a:r>
-              <a:rPr lang="en-US" dirty="0"/>
-              <a:t>Alright, onto our objectives for today. </a:t>
-            </a:r>
-          </a:p>
-          <a:p>
-            <a:r>
-              <a:rPr lang="en-US" dirty="0"/>
-              <a:t>First we will learn two print commands: print and </a:t>
-            </a:r>
-            <a:r>
-              <a:rPr lang="en-US" dirty="0" err="1"/>
-              <a:t>println</a:t>
-            </a:r>
-            <a:r>
-              <a:rPr lang="en-US" dirty="0"/>
-              <a:t>. </a:t>
-            </a:r>
-          </a:p>
-          <a:p>
-            <a:r>
-              <a:rPr lang="en-US" dirty="0"/>
-              <a:t>Next we will learn what an escape sequence is and how to use them with print commands.</a:t>
-            </a:r>
-          </a:p>
-          <a:p>
-            <a:r>
-              <a:rPr lang="en-US" dirty="0"/>
-              <a:t>Then we will go over two types of errors, syntax vs runtime errors. We will also learn the bane of every programmer’s existence – debugging.</a:t>
-            </a:r>
-          </a:p>
-          <a:p>
-            <a:r>
-              <a:rPr lang="en-US" dirty="0"/>
-              <a:t>Finally, we will continue to improve our best programming practices by learning what comments are and how to add comments to our code.</a:t>
-            </a:r>
+            <a:endParaRPr lang="en-US" dirty="0"/>
           </a:p>
         </p:txBody>
       </p:sp>
@@ -3527,42 +3320,7 @@
           <a:bodyPr/>
           <a:lstStyle/>
           <a:p>
-            <a:r>
-              <a:rPr lang="en-US" dirty="0"/>
-              <a:t>Alright, onto our objectives for today. </a:t>
-            </a:r>
-          </a:p>
-          <a:p>
-            <a:r>
-              <a:rPr lang="en-US" dirty="0"/>
-              <a:t>First we will learn two print commands: print and </a:t>
-            </a:r>
-            <a:r>
-              <a:rPr lang="en-US" dirty="0" err="1"/>
-              <a:t>println</a:t>
-            </a:r>
-            <a:r>
-              <a:rPr lang="en-US" dirty="0"/>
-              <a:t>. </a:t>
-            </a:r>
-          </a:p>
-          <a:p>
-            <a:r>
-              <a:rPr lang="en-US" dirty="0"/>
-              <a:t>Next we will learn what an escape sequence is and how to use them with print commands.</a:t>
-            </a:r>
-          </a:p>
-          <a:p>
-            <a:r>
-              <a:rPr lang="en-US" dirty="0"/>
-              <a:t>Then we will go over two types of errors, syntax vs runtime errors. We will also learn the bane of every programmer’s existence – debugging.</a:t>
-            </a:r>
-          </a:p>
-          <a:p>
-            <a:r>
-              <a:rPr lang="en-US" dirty="0"/>
-              <a:t>Finally, we will continue to improve our best programming practices by learning what comments are and how to add comments to our code.</a:t>
-            </a:r>
+            <a:endParaRPr lang="en-US" dirty="0"/>
           </a:p>
         </p:txBody>
       </p:sp>
@@ -3646,42 +3404,7 @@
           <a:bodyPr/>
           <a:lstStyle/>
           <a:p>
-            <a:r>
-              <a:rPr lang="en-US" dirty="0"/>
-              <a:t>Alright, onto our objectives for today. </a:t>
-            </a:r>
-          </a:p>
-          <a:p>
-            <a:r>
-              <a:rPr lang="en-US" dirty="0"/>
-              <a:t>First we will learn two print commands: print and </a:t>
-            </a:r>
-            <a:r>
-              <a:rPr lang="en-US" dirty="0" err="1"/>
-              <a:t>println</a:t>
-            </a:r>
-            <a:r>
-              <a:rPr lang="en-US" dirty="0"/>
-              <a:t>. </a:t>
-            </a:r>
-          </a:p>
-          <a:p>
-            <a:r>
-              <a:rPr lang="en-US" dirty="0"/>
-              <a:t>Next we will learn what an escape sequence is and how to use them with print commands.</a:t>
-            </a:r>
-          </a:p>
-          <a:p>
-            <a:r>
-              <a:rPr lang="en-US" dirty="0"/>
-              <a:t>Then we will go over two types of errors, syntax vs runtime errors. We will also learn the bane of every programmer’s existence – debugging.</a:t>
-            </a:r>
-          </a:p>
-          <a:p>
-            <a:r>
-              <a:rPr lang="en-US" dirty="0"/>
-              <a:t>Finally, we will continue to improve our best programming practices by learning what comments are and how to add comments to our code.</a:t>
-            </a:r>
+            <a:endParaRPr lang="en-US" dirty="0"/>
           </a:p>
         </p:txBody>
       </p:sp>
@@ -3765,42 +3488,7 @@
           <a:bodyPr/>
           <a:lstStyle/>
           <a:p>
-            <a:r>
-              <a:rPr lang="en-US" dirty="0"/>
-              <a:t>Alright, onto our objectives for today. </a:t>
-            </a:r>
-          </a:p>
-          <a:p>
-            <a:r>
-              <a:rPr lang="en-US" dirty="0"/>
-              <a:t>First we will learn two print commands: print and </a:t>
-            </a:r>
-            <a:r>
-              <a:rPr lang="en-US" dirty="0" err="1"/>
-              <a:t>println</a:t>
-            </a:r>
-            <a:r>
-              <a:rPr lang="en-US" dirty="0"/>
-              <a:t>. </a:t>
-            </a:r>
-          </a:p>
-          <a:p>
-            <a:r>
-              <a:rPr lang="en-US" dirty="0"/>
-              <a:t>Next we will learn what an escape sequence is and how to use them with print commands.</a:t>
-            </a:r>
-          </a:p>
-          <a:p>
-            <a:r>
-              <a:rPr lang="en-US" dirty="0"/>
-              <a:t>Then we will go over two types of errors, syntax vs runtime errors. We will also learn the bane of every programmer’s existence – debugging.</a:t>
-            </a:r>
-          </a:p>
-          <a:p>
-            <a:r>
-              <a:rPr lang="en-US" dirty="0"/>
-              <a:t>Finally, we will continue to improve our best programming practices by learning what comments are and how to add comments to our code.</a:t>
-            </a:r>
+            <a:endParaRPr lang="en-US" dirty="0"/>
           </a:p>
         </p:txBody>
       </p:sp>
@@ -3884,42 +3572,7 @@
           <a:bodyPr/>
           <a:lstStyle/>
           <a:p>
-            <a:r>
-              <a:rPr lang="en-US" dirty="0"/>
-              <a:t>Alright, onto our objectives for today. </a:t>
-            </a:r>
-          </a:p>
-          <a:p>
-            <a:r>
-              <a:rPr lang="en-US" dirty="0"/>
-              <a:t>First we will learn two print commands: print and </a:t>
-            </a:r>
-            <a:r>
-              <a:rPr lang="en-US" dirty="0" err="1"/>
-              <a:t>println</a:t>
-            </a:r>
-            <a:r>
-              <a:rPr lang="en-US" dirty="0"/>
-              <a:t>. </a:t>
-            </a:r>
-          </a:p>
-          <a:p>
-            <a:r>
-              <a:rPr lang="en-US" dirty="0"/>
-              <a:t>Next we will learn what an escape sequence is and how to use them with print commands.</a:t>
-            </a:r>
-          </a:p>
-          <a:p>
-            <a:r>
-              <a:rPr lang="en-US" dirty="0"/>
-              <a:t>Then we will go over two types of errors, syntax vs runtime errors. We will also learn the bane of every programmer’s existence – debugging.</a:t>
-            </a:r>
-          </a:p>
-          <a:p>
-            <a:r>
-              <a:rPr lang="en-US" dirty="0"/>
-              <a:t>Finally, we will continue to improve our best programming practices by learning what comments are and how to add comments to our code.</a:t>
-            </a:r>
+            <a:endParaRPr lang="en-US" dirty="0"/>
           </a:p>
         </p:txBody>
       </p:sp>
@@ -4003,42 +3656,7 @@
           <a:bodyPr/>
           <a:lstStyle/>
           <a:p>
-            <a:r>
-              <a:rPr lang="en-US" dirty="0"/>
-              <a:t>Alright, onto our objectives for today. </a:t>
-            </a:r>
-          </a:p>
-          <a:p>
-            <a:r>
-              <a:rPr lang="en-US" dirty="0"/>
-              <a:t>First we will learn two print commands: print and </a:t>
-            </a:r>
-            <a:r>
-              <a:rPr lang="en-US" dirty="0" err="1"/>
-              <a:t>println</a:t>
-            </a:r>
-            <a:r>
-              <a:rPr lang="en-US" dirty="0"/>
-              <a:t>. </a:t>
-            </a:r>
-          </a:p>
-          <a:p>
-            <a:r>
-              <a:rPr lang="en-US" dirty="0"/>
-              <a:t>Next we will learn what an escape sequence is and how to use them with print commands.</a:t>
-            </a:r>
-          </a:p>
-          <a:p>
-            <a:r>
-              <a:rPr lang="en-US" dirty="0"/>
-              <a:t>Then we will go over two types of errors, syntax vs runtime errors. We will also learn the bane of every programmer’s existence – debugging.</a:t>
-            </a:r>
-          </a:p>
-          <a:p>
-            <a:r>
-              <a:rPr lang="en-US" dirty="0"/>
-              <a:t>Finally, we will continue to improve our best programming practices by learning what comments are and how to add comments to our code.</a:t>
-            </a:r>
+            <a:endParaRPr lang="en-US" dirty="0"/>
           </a:p>
         </p:txBody>
       </p:sp>
@@ -4122,42 +3740,7 @@
           <a:bodyPr/>
           <a:lstStyle/>
           <a:p>
-            <a:r>
-              <a:rPr lang="en-US" dirty="0"/>
-              <a:t>Alright, onto our objectives for today. </a:t>
-            </a:r>
-          </a:p>
-          <a:p>
-            <a:r>
-              <a:rPr lang="en-US" dirty="0"/>
-              <a:t>First we will learn two print commands: print and </a:t>
-            </a:r>
-            <a:r>
-              <a:rPr lang="en-US" dirty="0" err="1"/>
-              <a:t>println</a:t>
-            </a:r>
-            <a:r>
-              <a:rPr lang="en-US" dirty="0"/>
-              <a:t>. </a:t>
-            </a:r>
-          </a:p>
-          <a:p>
-            <a:r>
-              <a:rPr lang="en-US" dirty="0"/>
-              <a:t>Next we will learn what an escape sequence is and how to use them with print commands.</a:t>
-            </a:r>
-          </a:p>
-          <a:p>
-            <a:r>
-              <a:rPr lang="en-US" dirty="0"/>
-              <a:t>Then we will go over two types of errors, syntax vs runtime errors. We will also learn the bane of every programmer’s existence – debugging.</a:t>
-            </a:r>
-          </a:p>
-          <a:p>
-            <a:r>
-              <a:rPr lang="en-US" dirty="0"/>
-              <a:t>Finally, we will continue to improve our best programming practices by learning what comments are and how to add comments to our code.</a:t>
-            </a:r>
+            <a:endParaRPr lang="en-US" dirty="0"/>
           </a:p>
         </p:txBody>
       </p:sp>
@@ -4423,7 +4006,7 @@
           <a:p>
             <a:fld id="{2D67510B-70CF-42CB-967F-CC2A1CD0E721}" type="datetimeFigureOut">
               <a:rPr lang="en-US" smtClean="0"/>
-              <a:t>7/28/2020</a:t>
+              <a:t>8/3/2020</a:t>
             </a:fld>
             <a:endParaRPr lang="en-US"/>
           </a:p>
@@ -4631,7 +4214,7 @@
           <a:p>
             <a:fld id="{2D67510B-70CF-42CB-967F-CC2A1CD0E721}" type="datetimeFigureOut">
               <a:rPr lang="en-US" smtClean="0"/>
-              <a:t>7/28/2020</a:t>
+              <a:t>8/3/2020</a:t>
             </a:fld>
             <a:endParaRPr lang="en-US"/>
           </a:p>
@@ -4887,7 +4470,7 @@
           <a:p>
             <a:fld id="{2D67510B-70CF-42CB-967F-CC2A1CD0E721}" type="datetimeFigureOut">
               <a:rPr lang="en-US" smtClean="0"/>
-              <a:t>7/28/2020</a:t>
+              <a:t>8/3/2020</a:t>
             </a:fld>
             <a:endParaRPr lang="en-US"/>
           </a:p>
@@ -5061,7 +4644,7 @@
           <a:p>
             <a:fld id="{2D67510B-70CF-42CB-967F-CC2A1CD0E721}" type="datetimeFigureOut">
               <a:rPr lang="en-US" smtClean="0"/>
-              <a:t>7/28/2020</a:t>
+              <a:t>8/3/2020</a:t>
             </a:fld>
             <a:endParaRPr lang="en-US"/>
           </a:p>
@@ -5404,7 +4987,7 @@
           <a:p>
             <a:fld id="{2D67510B-70CF-42CB-967F-CC2A1CD0E721}" type="datetimeFigureOut">
               <a:rPr lang="en-US" smtClean="0"/>
-              <a:t>7/28/2020</a:t>
+              <a:t>8/3/2020</a:t>
             </a:fld>
             <a:endParaRPr lang="en-US"/>
           </a:p>
@@ -5679,7 +5262,7 @@
           <a:p>
             <a:fld id="{2D67510B-70CF-42CB-967F-CC2A1CD0E721}" type="datetimeFigureOut">
               <a:rPr lang="en-US" smtClean="0"/>
-              <a:t>7/28/2020</a:t>
+              <a:t>8/3/2020</a:t>
             </a:fld>
             <a:endParaRPr lang="en-US"/>
           </a:p>
@@ -6058,7 +5641,7 @@
           <a:p>
             <a:fld id="{2D67510B-70CF-42CB-967F-CC2A1CD0E721}" type="datetimeFigureOut">
               <a:rPr lang="en-US" smtClean="0"/>
-              <a:t>7/28/2020</a:t>
+              <a:t>8/3/2020</a:t>
             </a:fld>
             <a:endParaRPr lang="en-US"/>
           </a:p>
@@ -6176,7 +5759,7 @@
           <a:p>
             <a:fld id="{2D67510B-70CF-42CB-967F-CC2A1CD0E721}" type="datetimeFigureOut">
               <a:rPr lang="en-US" smtClean="0"/>
-              <a:t>7/28/2020</a:t>
+              <a:t>8/3/2020</a:t>
             </a:fld>
             <a:endParaRPr lang="en-US"/>
           </a:p>
@@ -6347,7 +5930,7 @@
           <a:p>
             <a:fld id="{2D67510B-70CF-42CB-967F-CC2A1CD0E721}" type="datetimeFigureOut">
               <a:rPr lang="en-US" smtClean="0"/>
-              <a:t>7/28/2020</a:t>
+              <a:t>8/3/2020</a:t>
             </a:fld>
             <a:endParaRPr lang="en-US"/>
           </a:p>
@@ -6701,7 +6284,7 @@
           <a:p>
             <a:fld id="{2D67510B-70CF-42CB-967F-CC2A1CD0E721}" type="datetimeFigureOut">
               <a:rPr lang="en-US" smtClean="0"/>
-              <a:t>7/28/2020</a:t>
+              <a:t>8/3/2020</a:t>
             </a:fld>
             <a:endParaRPr lang="en-US"/>
           </a:p>
@@ -7083,7 +6666,7 @@
           <a:p>
             <a:fld id="{2D67510B-70CF-42CB-967F-CC2A1CD0E721}" type="datetimeFigureOut">
               <a:rPr lang="en-US" smtClean="0"/>
-              <a:t>7/28/2020</a:t>
+              <a:t>8/3/2020</a:t>
             </a:fld>
             <a:endParaRPr lang="en-US"/>
           </a:p>
@@ -7370,7 +6953,7 @@
           <a:p>
             <a:fld id="{2D67510B-70CF-42CB-967F-CC2A1CD0E721}" type="datetimeFigureOut">
               <a:rPr lang="en-US" smtClean="0"/>
-              <a:t>7/28/2020</a:t>
+              <a:t>8/3/2020</a:t>
             </a:fld>
             <a:endParaRPr lang="en-US"/>
           </a:p>
@@ -8206,6 +7789,129 @@
           </a:p>
         </p:txBody>
       </p:sp>
+      <p:grpSp>
+        <p:nvGrpSpPr>
+          <p:cNvPr id="7" name="Group 6">
+            <a:extLst>
+              <a:ext uri="{FF2B5EF4-FFF2-40B4-BE49-F238E27FC236}">
+                <a16:creationId xmlns:a16="http://schemas.microsoft.com/office/drawing/2014/main" id="{4CCB6BA0-5474-4386-9C96-13A9D9A2B401}"/>
+              </a:ext>
+            </a:extLst>
+          </p:cNvPr>
+          <p:cNvGrpSpPr/>
+          <p:nvPr/>
+        </p:nvGrpSpPr>
+        <p:grpSpPr>
+          <a:xfrm>
+            <a:off x="6046630" y="3716175"/>
+            <a:ext cx="3238200" cy="790920"/>
+            <a:chOff x="6046630" y="3716175"/>
+            <a:chExt cx="3238200" cy="790920"/>
+          </a:xfrm>
+        </p:grpSpPr>
+        <mc:AlternateContent xmlns:mc="http://schemas.openxmlformats.org/markup-compatibility/2006">
+          <mc:Choice xmlns:p14="http://schemas.microsoft.com/office/powerpoint/2010/main" Requires="p14">
+            <p:contentPart p14:bwMode="auto" r:id="rId3">
+              <p14:nvContentPartPr>
+                <p14:cNvPr id="4" name="Ink 3">
+                  <a:extLst>
+                    <a:ext uri="{FF2B5EF4-FFF2-40B4-BE49-F238E27FC236}">
+                      <a16:creationId xmlns:a16="http://schemas.microsoft.com/office/drawing/2014/main" id="{5EF2EBAC-D7A4-4D55-BEB0-D2212099EBED}"/>
+                    </a:ext>
+                  </a:extLst>
+                </p14:cNvPr>
+                <p14:cNvContentPartPr/>
+                <p14:nvPr/>
+              </p14:nvContentPartPr>
+              <p14:xfrm>
+                <a:off x="6088030" y="3716175"/>
+                <a:ext cx="3105360" cy="753840"/>
+              </p14:xfrm>
+            </p:contentPart>
+          </mc:Choice>
+          <mc:Fallback>
+            <p:pic>
+              <p:nvPicPr>
+                <p:cNvPr id="4" name="Ink 3">
+                  <a:extLst>
+                    <a:ext uri="{FF2B5EF4-FFF2-40B4-BE49-F238E27FC236}">
+                      <a16:creationId xmlns:a16="http://schemas.microsoft.com/office/drawing/2014/main" id="{5EF2EBAC-D7A4-4D55-BEB0-D2212099EBED}"/>
+                    </a:ext>
+                  </a:extLst>
+                </p:cNvPr>
+                <p:cNvPicPr/>
+                <p:nvPr/>
+              </p:nvPicPr>
+              <p:blipFill>
+                <a:blip r:embed="rId4"/>
+                <a:stretch>
+                  <a:fillRect/>
+                </a:stretch>
+              </p:blipFill>
+              <p:spPr>
+                <a:xfrm>
+                  <a:off x="6079030" y="3707535"/>
+                  <a:ext cx="3123000" cy="771480"/>
+                </a:xfrm>
+                <a:prstGeom prst="rect">
+                  <a:avLst/>
+                </a:prstGeom>
+              </p:spPr>
+            </p:pic>
+          </mc:Fallback>
+        </mc:AlternateContent>
+        <mc:AlternateContent xmlns:mc="http://schemas.openxmlformats.org/markup-compatibility/2006">
+          <mc:Choice xmlns:p14="http://schemas.microsoft.com/office/powerpoint/2010/main" Requires="p14">
+            <p:contentPart p14:bwMode="auto" r:id="rId5">
+              <p14:nvContentPartPr>
+                <p14:cNvPr id="5" name="Ink 4">
+                  <a:extLst>
+                    <a:ext uri="{FF2B5EF4-FFF2-40B4-BE49-F238E27FC236}">
+                      <a16:creationId xmlns:a16="http://schemas.microsoft.com/office/drawing/2014/main" id="{06BD908A-1938-4542-9623-ADA8764284A5}"/>
+                    </a:ext>
+                  </a:extLst>
+                </p14:cNvPr>
+                <p14:cNvContentPartPr/>
+                <p14:nvPr/>
+              </p14:nvContentPartPr>
+              <p14:xfrm>
+                <a:off x="6046630" y="3730575"/>
+                <a:ext cx="3238200" cy="776520"/>
+              </p14:xfrm>
+            </p:contentPart>
+          </mc:Choice>
+          <mc:Fallback>
+            <p:pic>
+              <p:nvPicPr>
+                <p:cNvPr id="5" name="Ink 4">
+                  <a:extLst>
+                    <a:ext uri="{FF2B5EF4-FFF2-40B4-BE49-F238E27FC236}">
+                      <a16:creationId xmlns:a16="http://schemas.microsoft.com/office/drawing/2014/main" id="{06BD908A-1938-4542-9623-ADA8764284A5}"/>
+                    </a:ext>
+                  </a:extLst>
+                </p:cNvPr>
+                <p:cNvPicPr/>
+                <p:nvPr/>
+              </p:nvPicPr>
+              <p:blipFill>
+                <a:blip r:embed="rId6"/>
+                <a:stretch>
+                  <a:fillRect/>
+                </a:stretch>
+              </p:blipFill>
+              <p:spPr>
+                <a:xfrm>
+                  <a:off x="6037990" y="3721575"/>
+                  <a:ext cx="3255840" cy="794160"/>
+                </a:xfrm>
+                <a:prstGeom prst="rect">
+                  <a:avLst/>
+                </a:prstGeom>
+              </p:spPr>
+            </p:pic>
+          </mc:Fallback>
+        </mc:AlternateContent>
+      </p:grpSp>
     </p:spTree>
     <p:extLst>
       <p:ext uri="{BB962C8B-B14F-4D97-AF65-F5344CB8AC3E}">
@@ -8687,7 +8393,7 @@
             <a:pPr lvl="1"/>
             <a:r>
               <a:rPr lang="en-US" dirty="0"/>
-              <a:t>None</a:t>
+              <a:t>See 01_Scaffolding</a:t>
             </a:r>
           </a:p>
           <a:p>
@@ -10670,7 +10376,10 @@
           <a:bodyPr/>
           <a:lstStyle/>
           <a:p>
-            <a:endParaRPr lang="en-US" dirty="0"/>
+            <a:r>
+              <a:rPr lang="en-US" dirty="0"/>
+              <a:t>Compound Assignment; casting; range of variables</a:t>
+            </a:r>
           </a:p>
         </p:txBody>
       </p:sp>
@@ -11473,7 +11182,7 @@
             <a:pPr lvl="1"/>
             <a:r>
               <a:rPr lang="en-US" dirty="0"/>
-              <a:t>None</a:t>
+              <a:t>See 01_Scaffolding</a:t>
             </a:r>
           </a:p>
           <a:p>
@@ -12727,13 +12436,13 @@
           <a:p>
             <a:r>
               <a:rPr lang="en-US" dirty="0"/>
+              <a:t>Casting Variables</a:t>
+            </a:r>
+          </a:p>
+          <a:p>
+            <a:r>
+              <a:rPr lang="en-US" dirty="0"/>
               <a:t>Range of Variables</a:t>
-            </a:r>
-          </a:p>
-          <a:p>
-            <a:r>
-              <a:rPr lang="en-US" dirty="0"/>
-              <a:t>Casting Variables</a:t>
             </a:r>
           </a:p>
         </p:txBody>
@@ -13244,52 +12953,48 @@
             <a:pPr lvl="1"/>
             <a:r>
               <a:rPr lang="en-US" dirty="0"/>
-              <a:t>Range </a:t>
-            </a:r>
+              <a:t>Range of Variables</a:t>
+            </a:r>
+          </a:p>
+          <a:p>
+            <a:r>
+              <a:rPr lang="en-US" dirty="0"/>
+              <a:t>Worksheet</a:t>
+            </a:r>
+          </a:p>
+          <a:p>
+            <a:pPr lvl="1"/>
+            <a:r>
+              <a:rPr lang="en-US" dirty="0"/>
+              <a:t>None</a:t>
+            </a:r>
+          </a:p>
+          <a:p>
+            <a:r>
+              <a:rPr lang="en-US" dirty="0"/>
+              <a:t>Coding Practice</a:t>
+            </a:r>
+          </a:p>
+          <a:p>
+            <a:pPr lvl="1"/>
+            <a:r>
+              <a:rPr lang="en-US" dirty="0"/>
+              <a:t>None</a:t>
+            </a:r>
+          </a:p>
+          <a:p>
+            <a:r>
+              <a:rPr lang="en-US" dirty="0"/>
+              <a:t>Scaffolding:</a:t>
+            </a:r>
+          </a:p>
+          <a:p>
+            <a:pPr lvl="1"/>
             <a:r>
               <a:rPr lang="en-US"/>
-              <a:t>of Variables</a:t>
+              <a:t>See 01_Scaffolding</a:t>
             </a:r>
             <a:endParaRPr lang="en-US" dirty="0"/>
-          </a:p>
-          <a:p>
-            <a:r>
-              <a:rPr lang="en-US" dirty="0"/>
-              <a:t>Worksheet</a:t>
-            </a:r>
-          </a:p>
-          <a:p>
-            <a:pPr lvl="1"/>
-            <a:r>
-              <a:rPr lang="en-US" dirty="0"/>
-              <a:t>None</a:t>
-            </a:r>
-          </a:p>
-          <a:p>
-            <a:r>
-              <a:rPr lang="en-US" dirty="0"/>
-              <a:t>Coding Practice</a:t>
-            </a:r>
-          </a:p>
-          <a:p>
-            <a:pPr lvl="1"/>
-            <a:r>
-              <a:rPr lang="en-US" dirty="0"/>
-              <a:t>None</a:t>
-            </a:r>
-          </a:p>
-          <a:p>
-            <a:r>
-              <a:rPr lang="en-US" dirty="0"/>
-              <a:t>Scaffolding:</a:t>
-            </a:r>
-          </a:p>
-          <a:p>
-            <a:pPr lvl="1"/>
-            <a:r>
-              <a:rPr lang="en-US" dirty="0"/>
-              <a:t>Counting | Number Bases (Converting Between Bases, Number Math) </a:t>
-            </a:r>
           </a:p>
           <a:p>
             <a:r>
@@ -13313,6 +13018,57 @@
           </a:p>
         </p:txBody>
       </p:sp>
+      <mc:AlternateContent xmlns:mc="http://schemas.openxmlformats.org/markup-compatibility/2006">
+        <mc:Choice xmlns:p14="http://schemas.microsoft.com/office/powerpoint/2010/main" Requires="p14">
+          <p:contentPart p14:bwMode="auto" r:id="rId4">
+            <p14:nvContentPartPr>
+              <p14:cNvPr id="4" name="Ink 3">
+                <a:extLst>
+                  <a:ext uri="{FF2B5EF4-FFF2-40B4-BE49-F238E27FC236}">
+                    <a16:creationId xmlns:a16="http://schemas.microsoft.com/office/drawing/2014/main" id="{33135422-286A-4019-9D3E-7C8524023F2D}"/>
+                  </a:ext>
+                </a:extLst>
+              </p14:cNvPr>
+              <p14:cNvContentPartPr/>
+              <p14:nvPr/>
+            </p14:nvContentPartPr>
+            <p14:xfrm>
+              <a:off x="1144150" y="1434495"/>
+              <a:ext cx="360" cy="5040"/>
+            </p14:xfrm>
+          </p:contentPart>
+        </mc:Choice>
+        <mc:Fallback>
+          <p:pic>
+            <p:nvPicPr>
+              <p:cNvPr id="4" name="Ink 3">
+                <a:extLst>
+                  <a:ext uri="{FF2B5EF4-FFF2-40B4-BE49-F238E27FC236}">
+                    <a16:creationId xmlns:a16="http://schemas.microsoft.com/office/drawing/2014/main" id="{33135422-286A-4019-9D3E-7C8524023F2D}"/>
+                  </a:ext>
+                </a:extLst>
+              </p:cNvPr>
+              <p:cNvPicPr/>
+              <p:nvPr/>
+            </p:nvPicPr>
+            <p:blipFill>
+              <a:blip r:embed="rId5"/>
+              <a:stretch>
+                <a:fillRect/>
+              </a:stretch>
+            </p:blipFill>
+            <p:spPr>
+              <a:xfrm>
+                <a:off x="1135510" y="1425495"/>
+                <a:ext cx="18000" cy="22680"/>
+              </a:xfrm>
+              <a:prstGeom prst="rect">
+                <a:avLst/>
+              </a:prstGeom>
+            </p:spPr>
+          </p:pic>
+        </mc:Fallback>
+      </mc:AlternateContent>
     </p:spTree>
     <p:extLst>
       <p:ext uri="{BB962C8B-B14F-4D97-AF65-F5344CB8AC3E}">
@@ -13442,6 +13198,57 @@
           </a:p>
         </p:txBody>
       </p:sp>
+      <mc:AlternateContent xmlns:mc="http://schemas.openxmlformats.org/markup-compatibility/2006">
+        <mc:Choice xmlns:p14="http://schemas.microsoft.com/office/powerpoint/2010/main" Requires="p14">
+          <p:contentPart p14:bwMode="auto" r:id="rId2">
+            <p14:nvContentPartPr>
+              <p14:cNvPr id="4" name="Ink 3">
+                <a:extLst>
+                  <a:ext uri="{FF2B5EF4-FFF2-40B4-BE49-F238E27FC236}">
+                    <a16:creationId xmlns:a16="http://schemas.microsoft.com/office/drawing/2014/main" id="{848765E1-60FD-4E9F-B79F-0EB2814C6289}"/>
+                  </a:ext>
+                </a:extLst>
+              </p14:cNvPr>
+              <p14:cNvContentPartPr/>
+              <p14:nvPr/>
+            </p14:nvContentPartPr>
+            <p14:xfrm>
+              <a:off x="-737570" y="2347815"/>
+              <a:ext cx="360" cy="360"/>
+            </p14:xfrm>
+          </p:contentPart>
+        </mc:Choice>
+        <mc:Fallback>
+          <p:pic>
+            <p:nvPicPr>
+              <p:cNvPr id="4" name="Ink 3">
+                <a:extLst>
+                  <a:ext uri="{FF2B5EF4-FFF2-40B4-BE49-F238E27FC236}">
+                    <a16:creationId xmlns:a16="http://schemas.microsoft.com/office/drawing/2014/main" id="{848765E1-60FD-4E9F-B79F-0EB2814C6289}"/>
+                  </a:ext>
+                </a:extLst>
+              </p:cNvPr>
+              <p:cNvPicPr/>
+              <p:nvPr/>
+            </p:nvPicPr>
+            <p:blipFill>
+              <a:blip r:embed="rId3"/>
+              <a:stretch>
+                <a:fillRect/>
+              </a:stretch>
+            </p:blipFill>
+            <p:spPr>
+              <a:xfrm>
+                <a:off x="-746210" y="2338815"/>
+                <a:ext cx="18000" cy="18000"/>
+              </a:xfrm>
+              <a:prstGeom prst="rect">
+                <a:avLst/>
+              </a:prstGeom>
+            </p:spPr>
+          </p:pic>
+        </mc:Fallback>
+      </mc:AlternateContent>
     </p:spTree>
     <p:extLst>
       <p:ext uri="{BB962C8B-B14F-4D97-AF65-F5344CB8AC3E}">
@@ -15094,6 +14901,68 @@
 </file>
 
 <file path=customXml/item1.xml><?xml version="1.0" encoding="utf-8"?>
+<p:properties xmlns:p="http://schemas.microsoft.com/office/2006/metadata/properties" xmlns:xsi="http://www.w3.org/2001/XMLSchema-instance" xmlns:pc="http://schemas.microsoft.com/office/infopath/2007/PartnerControls">
+  <documentManagement>
+    <Invited_Students xmlns="82256a1b-9f38-4c4c-91e5-29854cada989" xsi:nil="true"/>
+    <_ip_UnifiedCompliancePolicyUIAction xmlns="http://schemas.microsoft.com/sharepoint/v3" xsi:nil="true"/>
+    <CultureName xmlns="82256a1b-9f38-4c4c-91e5-29854cada989" xsi:nil="true"/>
+    <Students xmlns="82256a1b-9f38-4c4c-91e5-29854cada989">
+      <UserInfo>
+        <DisplayName/>
+        <AccountId xsi:nil="true"/>
+        <AccountType/>
+      </UserInfo>
+    </Students>
+    <Templates xmlns="82256a1b-9f38-4c4c-91e5-29854cada989" xsi:nil="true"/>
+    <Owner xmlns="82256a1b-9f38-4c4c-91e5-29854cada989">
+      <UserInfo>
+        <DisplayName/>
+        <AccountId xsi:nil="true"/>
+        <AccountType/>
+      </UserInfo>
+    </Owner>
+    <Teachers xmlns="82256a1b-9f38-4c4c-91e5-29854cada989">
+      <UserInfo>
+        <DisplayName/>
+        <AccountId xsi:nil="true"/>
+        <AccountType/>
+      </UserInfo>
+    </Teachers>
+    <Student_Groups xmlns="82256a1b-9f38-4c4c-91e5-29854cada989">
+      <UserInfo>
+        <DisplayName/>
+        <AccountId xsi:nil="true"/>
+        <AccountType/>
+      </UserInfo>
+    </Student_Groups>
+    <Distribution_Groups xmlns="82256a1b-9f38-4c4c-91e5-29854cada989" xsi:nil="true"/>
+    <Is_Collaboration_Space_Locked xmlns="82256a1b-9f38-4c4c-91e5-29854cada989" xsi:nil="true"/>
+    <Invited_Teachers xmlns="82256a1b-9f38-4c4c-91e5-29854cada989" xsi:nil="true"/>
+    <LMS_Mappings xmlns="82256a1b-9f38-4c4c-91e5-29854cada989" xsi:nil="true"/>
+    <NotebookType xmlns="82256a1b-9f38-4c4c-91e5-29854cada989" xsi:nil="true"/>
+    <_ip_UnifiedCompliancePolicyProperties xmlns="http://schemas.microsoft.com/sharepoint/v3" xsi:nil="true"/>
+    <Has_Teacher_Only_SectionGroup xmlns="82256a1b-9f38-4c4c-91e5-29854cada989" xsi:nil="true"/>
+    <Math_Settings xmlns="82256a1b-9f38-4c4c-91e5-29854cada989" xsi:nil="true"/>
+    <DefaultSectionNames xmlns="82256a1b-9f38-4c4c-91e5-29854cada989" xsi:nil="true"/>
+    <AppVersion xmlns="82256a1b-9f38-4c4c-91e5-29854cada989" xsi:nil="true"/>
+    <FolderType xmlns="82256a1b-9f38-4c4c-91e5-29854cada989" xsi:nil="true"/>
+    <TeamsChannelId xmlns="82256a1b-9f38-4c4c-91e5-29854cada989" xsi:nil="true"/>
+    <IsNotebookLocked xmlns="82256a1b-9f38-4c4c-91e5-29854cada989" xsi:nil="true"/>
+    <Self_Registration_Enabled xmlns="82256a1b-9f38-4c4c-91e5-29854cada989" xsi:nil="true"/>
+  </documentManagement>
+</p:properties>
+</file>
+
+<file path=customXml/item2.xml><?xml version="1.0" encoding="utf-8"?>
+<?mso-contentType ?>
+<FormTemplates xmlns="http://schemas.microsoft.com/sharepoint/v3/contenttype/forms">
+  <Display>DocumentLibraryForm</Display>
+  <Edit>DocumentLibraryForm</Edit>
+  <New>DocumentLibraryForm</New>
+</FormTemplates>
+</file>
+
+<file path=customXml/item3.xml><?xml version="1.0" encoding="utf-8"?>
 <ct:contentTypeSchema xmlns:ct="http://schemas.microsoft.com/office/2006/metadata/contentType" xmlns:ma="http://schemas.microsoft.com/office/2006/metadata/properties/metaAttributes" ct:_="" ma:_="" ma:contentTypeName="Document" ma:contentTypeID="0x010100AC977DB636FAC046B39EFB0EDCA79FB9" ma:contentTypeVersion="35" ma:contentTypeDescription="Create a new document." ma:contentTypeScope="" ma:versionID="0f64df24c85279f01587ad2aa5aed291">
   <xsd:schema xmlns:xsd="http://www.w3.org/2001/XMLSchema" xmlns:xs="http://www.w3.org/2001/XMLSchema" xmlns:p="http://schemas.microsoft.com/office/2006/metadata/properties" xmlns:ns1="http://schemas.microsoft.com/sharepoint/v3" xmlns:ns3="9e962e79-3fd0-4a6e-bcbc-b3738a4df2d9" xmlns:ns4="82256a1b-9f38-4c4c-91e5-29854cada989" targetNamespace="http://schemas.microsoft.com/office/2006/metadata/properties" ma:root="true" ma:fieldsID="86f674dd3b581b7c6038a385992766ca" ns1:_="" ns3:_="" ns4:_="">
     <xsd:import namespace="http://schemas.microsoft.com/sharepoint/v3"/>
@@ -15521,69 +15390,26 @@
 </ct:contentTypeSchema>
 </file>
 
-<file path=customXml/item2.xml><?xml version="1.0" encoding="utf-8"?>
-<p:properties xmlns:p="http://schemas.microsoft.com/office/2006/metadata/properties" xmlns:xsi="http://www.w3.org/2001/XMLSchema-instance" xmlns:pc="http://schemas.microsoft.com/office/infopath/2007/PartnerControls">
-  <documentManagement>
-    <Invited_Students xmlns="82256a1b-9f38-4c4c-91e5-29854cada989" xsi:nil="true"/>
-    <_ip_UnifiedCompliancePolicyUIAction xmlns="http://schemas.microsoft.com/sharepoint/v3" xsi:nil="true"/>
-    <CultureName xmlns="82256a1b-9f38-4c4c-91e5-29854cada989" xsi:nil="true"/>
-    <Students xmlns="82256a1b-9f38-4c4c-91e5-29854cada989">
-      <UserInfo>
-        <DisplayName/>
-        <AccountId xsi:nil="true"/>
-        <AccountType/>
-      </UserInfo>
-    </Students>
-    <Templates xmlns="82256a1b-9f38-4c4c-91e5-29854cada989" xsi:nil="true"/>
-    <Owner xmlns="82256a1b-9f38-4c4c-91e5-29854cada989">
-      <UserInfo>
-        <DisplayName/>
-        <AccountId xsi:nil="true"/>
-        <AccountType/>
-      </UserInfo>
-    </Owner>
-    <Teachers xmlns="82256a1b-9f38-4c4c-91e5-29854cada989">
-      <UserInfo>
-        <DisplayName/>
-        <AccountId xsi:nil="true"/>
-        <AccountType/>
-      </UserInfo>
-    </Teachers>
-    <Student_Groups xmlns="82256a1b-9f38-4c4c-91e5-29854cada989">
-      <UserInfo>
-        <DisplayName/>
-        <AccountId xsi:nil="true"/>
-        <AccountType/>
-      </UserInfo>
-    </Student_Groups>
-    <Distribution_Groups xmlns="82256a1b-9f38-4c4c-91e5-29854cada989" xsi:nil="true"/>
-    <Is_Collaboration_Space_Locked xmlns="82256a1b-9f38-4c4c-91e5-29854cada989" xsi:nil="true"/>
-    <Invited_Teachers xmlns="82256a1b-9f38-4c4c-91e5-29854cada989" xsi:nil="true"/>
-    <LMS_Mappings xmlns="82256a1b-9f38-4c4c-91e5-29854cada989" xsi:nil="true"/>
-    <NotebookType xmlns="82256a1b-9f38-4c4c-91e5-29854cada989" xsi:nil="true"/>
-    <_ip_UnifiedCompliancePolicyProperties xmlns="http://schemas.microsoft.com/sharepoint/v3" xsi:nil="true"/>
-    <Has_Teacher_Only_SectionGroup xmlns="82256a1b-9f38-4c4c-91e5-29854cada989" xsi:nil="true"/>
-    <Math_Settings xmlns="82256a1b-9f38-4c4c-91e5-29854cada989" xsi:nil="true"/>
-    <DefaultSectionNames xmlns="82256a1b-9f38-4c4c-91e5-29854cada989" xsi:nil="true"/>
-    <AppVersion xmlns="82256a1b-9f38-4c4c-91e5-29854cada989" xsi:nil="true"/>
-    <FolderType xmlns="82256a1b-9f38-4c4c-91e5-29854cada989" xsi:nil="true"/>
-    <TeamsChannelId xmlns="82256a1b-9f38-4c4c-91e5-29854cada989" xsi:nil="true"/>
-    <IsNotebookLocked xmlns="82256a1b-9f38-4c4c-91e5-29854cada989" xsi:nil="true"/>
-    <Self_Registration_Enabled xmlns="82256a1b-9f38-4c4c-91e5-29854cada989" xsi:nil="true"/>
-  </documentManagement>
-</p:properties>
+<file path=customXml/itemProps1.xml><?xml version="1.0" encoding="utf-8"?>
+<ds:datastoreItem xmlns:ds="http://schemas.openxmlformats.org/officeDocument/2006/customXml" ds:itemID="{1B89B284-327A-42E4-BE53-1603DDE35B6F}">
+  <ds:schemaRefs>
+    <ds:schemaRef ds:uri="http://schemas.microsoft.com/office/2006/metadata/properties"/>
+    <ds:schemaRef ds:uri="http://schemas.microsoft.com/office/infopath/2007/PartnerControls"/>
+    <ds:schemaRef ds:uri="82256a1b-9f38-4c4c-91e5-29854cada989"/>
+    <ds:schemaRef ds:uri="http://schemas.microsoft.com/sharepoint/v3"/>
+  </ds:schemaRefs>
+</ds:datastoreItem>
 </file>
 
-<file path=customXml/item3.xml><?xml version="1.0" encoding="utf-8"?>
-<?mso-contentType ?>
-<FormTemplates xmlns="http://schemas.microsoft.com/sharepoint/v3/contenttype/forms">
-  <Display>DocumentLibraryForm</Display>
-  <Edit>DocumentLibraryForm</Edit>
-  <New>DocumentLibraryForm</New>
-</FormTemplates>
+<file path=customXml/itemProps2.xml><?xml version="1.0" encoding="utf-8"?>
+<ds:datastoreItem xmlns:ds="http://schemas.openxmlformats.org/officeDocument/2006/customXml" ds:itemID="{50B2F48C-2FD0-4314-AF01-49E8718F0876}">
+  <ds:schemaRefs>
+    <ds:schemaRef ds:uri="http://schemas.microsoft.com/sharepoint/v3/contenttype/forms"/>
+  </ds:schemaRefs>
+</ds:datastoreItem>
 </file>
 
-<file path=customXml/itemProps1.xml><?xml version="1.0" encoding="utf-8"?>
+<file path=customXml/itemProps3.xml><?xml version="1.0" encoding="utf-8"?>
 <ds:datastoreItem xmlns:ds="http://schemas.openxmlformats.org/officeDocument/2006/customXml" ds:itemID="{73865547-E941-419D-A835-79FC0F3F3625}">
   <ds:schemaRefs>
     <ds:schemaRef ds:uri="http://schemas.microsoft.com/office/2006/metadata/contentType"/>
@@ -15601,23 +15427,4 @@
     <ds:schemaRef ds:uri="http://schemas.microsoft.com/internal/obd"/>
   </ds:schemaRefs>
 </ds:datastoreItem>
-</file>
-
-<file path=customXml/itemProps2.xml><?xml version="1.0" encoding="utf-8"?>
-<ds:datastoreItem xmlns:ds="http://schemas.openxmlformats.org/officeDocument/2006/customXml" ds:itemID="{1B89B284-327A-42E4-BE53-1603DDE35B6F}">
-  <ds:schemaRefs>
-    <ds:schemaRef ds:uri="http://schemas.microsoft.com/office/2006/metadata/properties"/>
-    <ds:schemaRef ds:uri="http://schemas.microsoft.com/office/infopath/2007/PartnerControls"/>
-    <ds:schemaRef ds:uri="82256a1b-9f38-4c4c-91e5-29854cada989"/>
-    <ds:schemaRef ds:uri="http://schemas.microsoft.com/sharepoint/v3"/>
-  </ds:schemaRefs>
-</ds:datastoreItem>
-</file>
-
-<file path=customXml/itemProps3.xml><?xml version="1.0" encoding="utf-8"?>
-<ds:datastoreItem xmlns:ds="http://schemas.openxmlformats.org/officeDocument/2006/customXml" ds:itemID="{50B2F48C-2FD0-4314-AF01-49E8718F0876}">
-  <ds:schemaRefs>
-    <ds:schemaRef ds:uri="http://schemas.microsoft.com/sharepoint/v3/contenttype/forms"/>
-  </ds:schemaRefs>
-</ds:datastoreItem>
 </file>